--- a/2022-06-02-TCDNUG-DatabaseDevOps/database-devops.pptx
+++ b/2022-06-02-TCDNUG-DatabaseDevOps/database-devops.pptx
@@ -39,8 +39,8 @@
     <p:sldId id="347" r:id="rId30"/>
     <p:sldId id="343" r:id="rId31"/>
     <p:sldId id="349" r:id="rId32"/>
-    <p:sldId id="369" r:id="rId33"/>
-    <p:sldId id="328" r:id="rId34"/>
+    <p:sldId id="328" r:id="rId33"/>
+    <p:sldId id="369" r:id="rId34"/>
     <p:sldId id="337" r:id="rId35"/>
     <p:sldId id="393" r:id="rId36"/>
   </p:sldIdLst>
@@ -2231,7 +2231,130 @@
           <a:bodyPr/>
           <a:lstStyle/>
           <a:p>
+            <a:pPr marL="171450" indent="-171450">
+              <a:buFontTx/>
+              <a:buChar char="-"/>
+            </a:pPr>
+            <a:r>
+              <a:rPr lang="en-US" dirty="0"/>
+              <a:t>What is Flyway</a:t>
+            </a:r>
+          </a:p>
+          <a:p>
+            <a:pPr marL="171450" indent="-171450">
+              <a:buFontTx/>
+              <a:buChar char="-"/>
+            </a:pPr>
+            <a:r>
+              <a:rPr lang="en-US" dirty="0"/>
+              <a:t>SQL folder</a:t>
+            </a:r>
+          </a:p>
+          <a:p>
+            <a:pPr marL="171450" indent="-171450">
+              <a:buFontTx/>
+              <a:buChar char="-"/>
+            </a:pPr>
+            <a:r>
+              <a:rPr lang="en-US" dirty="0" err="1"/>
+              <a:t>Versioneds</a:t>
+            </a:r>
             <a:endParaRPr lang="en-US" dirty="0"/>
+          </a:p>
+          <a:p>
+            <a:pPr marL="171450" indent="-171450">
+              <a:buFontTx/>
+              <a:buChar char="-"/>
+            </a:pPr>
+            <a:r>
+              <a:rPr lang="en-US" dirty="0" err="1"/>
+              <a:t>Repeatables</a:t>
+            </a:r>
+            <a:endParaRPr lang="en-US" dirty="0"/>
+          </a:p>
+          <a:p>
+            <a:pPr marL="171450" indent="-171450">
+              <a:buFontTx/>
+              <a:buChar char="-"/>
+            </a:pPr>
+            <a:r>
+              <a:rPr lang="en-US" dirty="0"/>
+              <a:t>docker compose up</a:t>
+            </a:r>
+          </a:p>
+          <a:p>
+            <a:pPr marL="171450" indent="-171450">
+              <a:buFontTx/>
+              <a:buChar char="-"/>
+            </a:pPr>
+            <a:r>
+              <a:rPr lang="en-US" dirty="0"/>
+              <a:t>docker logs flyway</a:t>
+            </a:r>
+          </a:p>
+          <a:p>
+            <a:pPr marL="171450" indent="-171450">
+              <a:buFontTx/>
+              <a:buChar char="-"/>
+            </a:pPr>
+            <a:r>
+              <a:rPr lang="en-US" dirty="0" err="1"/>
+              <a:t>Flyway_Schema_History</a:t>
+            </a:r>
+            <a:r>
+              <a:rPr lang="en-US" dirty="0"/>
+              <a:t> table</a:t>
+            </a:r>
+          </a:p>
+          <a:p>
+            <a:pPr marL="171450" indent="-171450">
+              <a:buFontTx/>
+              <a:buChar char="-"/>
+            </a:pPr>
+            <a:r>
+              <a:rPr lang="en-US" dirty="0"/>
+              <a:t>Add column</a:t>
+            </a:r>
+          </a:p>
+          <a:p>
+            <a:pPr marL="171450" indent="-171450">
+              <a:buFontTx/>
+              <a:buChar char="-"/>
+            </a:pPr>
+            <a:r>
+              <a:rPr lang="en-US" dirty="0"/>
+              <a:t>docker compose up to test locally</a:t>
+            </a:r>
+          </a:p>
+          <a:p>
+            <a:pPr marL="171450" indent="-171450">
+              <a:buFontTx/>
+              <a:buChar char="-"/>
+            </a:pPr>
+            <a:r>
+              <a:rPr lang="en-US" dirty="0"/>
+              <a:t>docker logs flyway</a:t>
+            </a:r>
+          </a:p>
+          <a:p>
+            <a:pPr marL="171450" indent="-171450">
+              <a:buFontTx/>
+              <a:buChar char="-"/>
+            </a:pPr>
+            <a:r>
+              <a:rPr lang="en-US" dirty="0"/>
+              <a:t>Send PR</a:t>
+            </a:r>
+          </a:p>
+          <a:p>
+            <a:pPr marL="171450" indent="-171450">
+              <a:buFontTx/>
+              <a:buChar char="-"/>
+            </a:pPr>
+            <a:r>
+              <a:rPr lang="en-US" dirty="0"/>
+              <a:t>Watch it deploy</a:t>
+            </a:r>
           </a:p>
         </p:txBody>
       </p:sp>
@@ -2742,7 +2865,7 @@
           <a:bodyPr/>
           <a:lstStyle/>
           <a:p>
-            <a:endParaRPr lang="en-US" dirty="0"/>
+            <a:endParaRPr lang="en-US" baseline="0" dirty="0"/>
           </a:p>
         </p:txBody>
       </p:sp>
@@ -2753,7 +2876,7 @@
             <a:spLocks noGrp="1"/>
           </p:cNvSpPr>
           <p:nvPr>
-            <p:ph type="sldNum" sz="quarter" idx="5"/>
+            <p:ph type="sldNum" sz="quarter" idx="10"/>
           </p:nvPr>
         </p:nvSpPr>
         <p:spPr/>
@@ -2761,7 +2884,7 @@
           <a:bodyPr/>
           <a:lstStyle/>
           <a:p>
-            <a:fld id="{EACEE071-6BA9-400B-8DDD-7178D39C29B3}" type="slidenum">
+            <a:fld id="{2B57EC6A-F5A4-441D-B3C5-D1EF8312AF7C}" type="slidenum">
               <a:rPr lang="en-US" smtClean="0"/>
               <a:t>32</a:t>
             </a:fld>
@@ -2772,7 +2895,7 @@
     </p:spTree>
     <p:extLst>
       <p:ext uri="{BB962C8B-B14F-4D97-AF65-F5344CB8AC3E}">
-        <p14:creationId xmlns:p14="http://schemas.microsoft.com/office/powerpoint/2010/main" val="1644152500"/>
+        <p14:creationId xmlns:p14="http://schemas.microsoft.com/office/powerpoint/2010/main" val="1406868589"/>
       </p:ext>
     </p:extLst>
   </p:cSld>
@@ -2826,7 +2949,7 @@
           <a:bodyPr/>
           <a:lstStyle/>
           <a:p>
-            <a:endParaRPr lang="en-US" baseline="0" dirty="0"/>
+            <a:endParaRPr lang="en-US" dirty="0"/>
           </a:p>
         </p:txBody>
       </p:sp>
@@ -2837,7 +2960,7 @@
             <a:spLocks noGrp="1"/>
           </p:cNvSpPr>
           <p:nvPr>
-            <p:ph type="sldNum" sz="quarter" idx="10"/>
+            <p:ph type="sldNum" sz="quarter" idx="5"/>
           </p:nvPr>
         </p:nvSpPr>
         <p:spPr/>
@@ -2845,7 +2968,7 @@
           <a:bodyPr/>
           <a:lstStyle/>
           <a:p>
-            <a:fld id="{2B57EC6A-F5A4-441D-B3C5-D1EF8312AF7C}" type="slidenum">
+            <a:fld id="{EACEE071-6BA9-400B-8DDD-7178D39C29B3}" type="slidenum">
               <a:rPr lang="en-US" smtClean="0"/>
               <a:t>33</a:t>
             </a:fld>
@@ -2856,7 +2979,7 @@
     </p:spTree>
     <p:extLst>
       <p:ext uri="{BB962C8B-B14F-4D97-AF65-F5344CB8AC3E}">
-        <p14:creationId xmlns:p14="http://schemas.microsoft.com/office/powerpoint/2010/main" val="1406868589"/>
+        <p14:creationId xmlns:p14="http://schemas.microsoft.com/office/powerpoint/2010/main" val="1644152500"/>
       </p:ext>
     </p:extLst>
   </p:cSld>
@@ -24782,137 +24905,6 @@
       </p:grpSpPr>
       <p:sp>
         <p:nvSpPr>
-          <p:cNvPr id="6" name="Rectangle 5">
-            <a:extLst>
-              <a:ext uri="{FF2B5EF4-FFF2-40B4-BE49-F238E27FC236}">
-                <a16:creationId xmlns:a16="http://schemas.microsoft.com/office/drawing/2014/main" id="{53CDDD3F-B359-C04B-9FC0-918A48C59F5A}"/>
-              </a:ext>
-            </a:extLst>
-          </p:cNvPr>
-          <p:cNvSpPr/>
-          <p:nvPr/>
-        </p:nvSpPr>
-        <p:spPr>
-          <a:xfrm>
-            <a:off x="-19458" y="-6059"/>
-            <a:ext cx="12211458" cy="6864059"/>
-          </a:xfrm>
-          <a:prstGeom prst="rect">
-            <a:avLst/>
-          </a:prstGeom>
-          <a:solidFill>
-            <a:srgbClr val="0F69B6"/>
-          </a:solidFill>
-          <a:ln>
-            <a:noFill/>
-          </a:ln>
-        </p:spPr>
-        <p:style>
-          <a:lnRef idx="2">
-            <a:schemeClr val="accent1">
-              <a:shade val="50000"/>
-            </a:schemeClr>
-          </a:lnRef>
-          <a:fillRef idx="1">
-            <a:schemeClr val="accent1"/>
-          </a:fillRef>
-          <a:effectRef idx="0">
-            <a:schemeClr val="accent1"/>
-          </a:effectRef>
-          <a:fontRef idx="minor">
-            <a:schemeClr val="lt1"/>
-          </a:fontRef>
-        </p:style>
-        <p:txBody>
-          <a:bodyPr rtlCol="0" anchor="ctr"/>
-          <a:lstStyle/>
-          <a:p>
-            <a:pPr algn="ctr"/>
-            <a:endParaRPr lang="en-GB"/>
-          </a:p>
-        </p:txBody>
-      </p:sp>
-      <p:sp>
-        <p:nvSpPr>
-          <p:cNvPr id="3" name="Content Placeholder 2"/>
-          <p:cNvSpPr>
-            <a:spLocks noGrp="1"/>
-          </p:cNvSpPr>
-          <p:nvPr>
-            <p:ph idx="1"/>
-          </p:nvPr>
-        </p:nvSpPr>
-        <p:spPr>
-          <a:xfrm>
-            <a:off x="838200" y="0"/>
-            <a:ext cx="10916138" cy="6858000"/>
-          </a:xfrm>
-        </p:spPr>
-        <p:txBody>
-          <a:bodyPr anchor="ctr">
-            <a:normAutofit/>
-          </a:bodyPr>
-          <a:lstStyle/>
-          <a:p>
-            <a:pPr marL="0" indent="0" algn="ctr">
-              <a:buNone/>
-            </a:pPr>
-            <a:r>
-              <a:rPr lang="en-US" sz="6000" dirty="0">
-                <a:solidFill>
-                  <a:schemeClr val="bg1"/>
-                </a:solidFill>
-              </a:rPr>
-              <a:t>You can do this…</a:t>
-            </a:r>
-          </a:p>
-          <a:p>
-            <a:pPr marL="0" indent="0" algn="ctr">
-              <a:buNone/>
-            </a:pPr>
-            <a:r>
-              <a:rPr lang="en-US" sz="6000" dirty="0">
-                <a:solidFill>
-                  <a:schemeClr val="bg1"/>
-                </a:solidFill>
-              </a:rPr>
-              <a:t>…does your organization want to?</a:t>
-            </a:r>
-          </a:p>
-        </p:txBody>
-      </p:sp>
-    </p:spTree>
-    <p:extLst>
-      <p:ext uri="{BB962C8B-B14F-4D97-AF65-F5344CB8AC3E}">
-        <p14:creationId xmlns:p14="http://schemas.microsoft.com/office/powerpoint/2010/main" val="2396862474"/>
-      </p:ext>
-    </p:extLst>
-  </p:cSld>
-  <p:clrMapOvr>
-    <a:masterClrMapping/>
-  </p:clrMapOvr>
-</p:sld>
-</file>
-
-<file path=ppt/slides/slide33.xml><?xml version="1.0" encoding="utf-8"?>
-<p:sld xmlns:a="http://schemas.openxmlformats.org/drawingml/2006/main" xmlns:r="http://schemas.openxmlformats.org/officeDocument/2006/relationships" xmlns:p="http://schemas.openxmlformats.org/presentationml/2006/main">
-  <p:cSld>
-    <p:spTree>
-      <p:nvGrpSpPr>
-        <p:cNvPr id="1" name=""/>
-        <p:cNvGrpSpPr/>
-        <p:nvPr/>
-      </p:nvGrpSpPr>
-      <p:grpSpPr>
-        <a:xfrm>
-          <a:off x="0" y="0"/>
-          <a:ext cx="0" cy="0"/>
-          <a:chOff x="0" y="0"/>
-          <a:chExt cx="0" cy="0"/>
-        </a:xfrm>
-      </p:grpSpPr>
-      <p:sp>
-        <p:nvSpPr>
           <p:cNvPr id="2" name="Title 1"/>
           <p:cNvSpPr>
             <a:spLocks noGrp="1"/>
@@ -25519,6 +25511,137 @@
     <p:extLst>
       <p:ext uri="{BB962C8B-B14F-4D97-AF65-F5344CB8AC3E}">
         <p14:creationId xmlns:p14="http://schemas.microsoft.com/office/powerpoint/2010/main" val="842671120"/>
+      </p:ext>
+    </p:extLst>
+  </p:cSld>
+  <p:clrMapOvr>
+    <a:masterClrMapping/>
+  </p:clrMapOvr>
+</p:sld>
+</file>
+
+<file path=ppt/slides/slide33.xml><?xml version="1.0" encoding="utf-8"?>
+<p:sld xmlns:a="http://schemas.openxmlformats.org/drawingml/2006/main" xmlns:r="http://schemas.openxmlformats.org/officeDocument/2006/relationships" xmlns:p="http://schemas.openxmlformats.org/presentationml/2006/main">
+  <p:cSld>
+    <p:spTree>
+      <p:nvGrpSpPr>
+        <p:cNvPr id="1" name=""/>
+        <p:cNvGrpSpPr/>
+        <p:nvPr/>
+      </p:nvGrpSpPr>
+      <p:grpSpPr>
+        <a:xfrm>
+          <a:off x="0" y="0"/>
+          <a:ext cx="0" cy="0"/>
+          <a:chOff x="0" y="0"/>
+          <a:chExt cx="0" cy="0"/>
+        </a:xfrm>
+      </p:grpSpPr>
+      <p:sp>
+        <p:nvSpPr>
+          <p:cNvPr id="6" name="Rectangle 5">
+            <a:extLst>
+              <a:ext uri="{FF2B5EF4-FFF2-40B4-BE49-F238E27FC236}">
+                <a16:creationId xmlns:a16="http://schemas.microsoft.com/office/drawing/2014/main" id="{53CDDD3F-B359-C04B-9FC0-918A48C59F5A}"/>
+              </a:ext>
+            </a:extLst>
+          </p:cNvPr>
+          <p:cNvSpPr/>
+          <p:nvPr/>
+        </p:nvSpPr>
+        <p:spPr>
+          <a:xfrm>
+            <a:off x="-19458" y="-6059"/>
+            <a:ext cx="12211458" cy="6864059"/>
+          </a:xfrm>
+          <a:prstGeom prst="rect">
+            <a:avLst/>
+          </a:prstGeom>
+          <a:solidFill>
+            <a:srgbClr val="0F69B6"/>
+          </a:solidFill>
+          <a:ln>
+            <a:noFill/>
+          </a:ln>
+        </p:spPr>
+        <p:style>
+          <a:lnRef idx="2">
+            <a:schemeClr val="accent1">
+              <a:shade val="50000"/>
+            </a:schemeClr>
+          </a:lnRef>
+          <a:fillRef idx="1">
+            <a:schemeClr val="accent1"/>
+          </a:fillRef>
+          <a:effectRef idx="0">
+            <a:schemeClr val="accent1"/>
+          </a:effectRef>
+          <a:fontRef idx="minor">
+            <a:schemeClr val="lt1"/>
+          </a:fontRef>
+        </p:style>
+        <p:txBody>
+          <a:bodyPr rtlCol="0" anchor="ctr"/>
+          <a:lstStyle/>
+          <a:p>
+            <a:pPr algn="ctr"/>
+            <a:endParaRPr lang="en-GB"/>
+          </a:p>
+        </p:txBody>
+      </p:sp>
+      <p:sp>
+        <p:nvSpPr>
+          <p:cNvPr id="3" name="Content Placeholder 2"/>
+          <p:cNvSpPr>
+            <a:spLocks noGrp="1"/>
+          </p:cNvSpPr>
+          <p:nvPr>
+            <p:ph idx="1"/>
+          </p:nvPr>
+        </p:nvSpPr>
+        <p:spPr>
+          <a:xfrm>
+            <a:off x="838200" y="0"/>
+            <a:ext cx="10916138" cy="6858000"/>
+          </a:xfrm>
+        </p:spPr>
+        <p:txBody>
+          <a:bodyPr anchor="ctr">
+            <a:normAutofit/>
+          </a:bodyPr>
+          <a:lstStyle/>
+          <a:p>
+            <a:pPr marL="0" indent="0" algn="ctr">
+              <a:buNone/>
+            </a:pPr>
+            <a:r>
+              <a:rPr lang="en-US" sz="6000" dirty="0">
+                <a:solidFill>
+                  <a:schemeClr val="bg1"/>
+                </a:solidFill>
+              </a:rPr>
+              <a:t>You can do this…</a:t>
+            </a:r>
+          </a:p>
+          <a:p>
+            <a:pPr marL="0" indent="0" algn="ctr">
+              <a:buNone/>
+            </a:pPr>
+            <a:r>
+              <a:rPr lang="en-US" sz="6000" dirty="0">
+                <a:solidFill>
+                  <a:schemeClr val="bg1"/>
+                </a:solidFill>
+              </a:rPr>
+              <a:t>…does your organization want to?</a:t>
+            </a:r>
+          </a:p>
+        </p:txBody>
+      </p:sp>
+    </p:spTree>
+    <p:extLst>
+      <p:ext uri="{BB962C8B-B14F-4D97-AF65-F5344CB8AC3E}">
+        <p14:creationId xmlns:p14="http://schemas.microsoft.com/office/powerpoint/2010/main" val="2396862474"/>
       </p:ext>
     </p:extLst>
   </p:cSld>
